--- a/Đồ án cuối kỳ/OFA Unifying Architectures, Tasks, and Modalities Through a Simple Sequence-to-Sequence Learning Framework_Slide.pptx
+++ b/Đồ án cuối kỳ/OFA Unifying Architectures, Tasks, and Modalities Through a Simple Sequence-to-Sequence Learning Framework_Slide.pptx
@@ -265,6 +265,35 @@
     </p:ext>
   </p:extLst>
 </p:presentation>
+</file>
+
+<file path=ppt/changesInfos/changesInfo1.xml><?xml version="1.0" encoding="utf-8"?>
+<pc:chgInfo xmlns:a="http://schemas.openxmlformats.org/drawingml/2006/main" xmlns:r="http://schemas.openxmlformats.org/officeDocument/2006/relationships" xmlns:ac="http://schemas.microsoft.com/office/drawing/2013/main/command" xmlns:pc="http://schemas.microsoft.com/office/powerpoint/2013/main/command">
+  <pc:docChgLst>
+    <pc:chgData name="Nguyen Vu Duong" userId="7e847237b22dca43" providerId="LiveId" clId="{CD21F029-FAE5-4C51-9FE1-C5C8FE046836}"/>
+    <pc:docChg chg="modSld">
+      <pc:chgData name="Nguyen Vu Duong" userId="7e847237b22dca43" providerId="LiveId" clId="{CD21F029-FAE5-4C51-9FE1-C5C8FE046836}" dt="2023-12-26T07:29:34.194" v="3" actId="255"/>
+      <pc:docMkLst>
+        <pc:docMk/>
+      </pc:docMkLst>
+      <pc:sldChg chg="modSp mod">
+        <pc:chgData name="Nguyen Vu Duong" userId="7e847237b22dca43" providerId="LiveId" clId="{CD21F029-FAE5-4C51-9FE1-C5C8FE046836}" dt="2023-12-26T07:29:34.194" v="3" actId="255"/>
+        <pc:sldMkLst>
+          <pc:docMk/>
+          <pc:sldMk cId="0" sldId="257"/>
+        </pc:sldMkLst>
+        <pc:spChg chg="mod">
+          <ac:chgData name="Nguyen Vu Duong" userId="7e847237b22dca43" providerId="LiveId" clId="{CD21F029-FAE5-4C51-9FE1-C5C8FE046836}" dt="2023-12-26T07:29:34.194" v="3" actId="255"/>
+          <ac:spMkLst>
+            <pc:docMk/>
+            <pc:sldMk cId="0" sldId="257"/>
+            <ac:spMk id="73" creationId="{00000000-0000-0000-0000-000000000000}"/>
+          </ac:spMkLst>
+        </pc:spChg>
+      </pc:sldChg>
+    </pc:docChg>
+  </pc:docChgLst>
+</pc:chgInfo>
 </file>
 
 <file path=ppt/notesMasters/notesMaster1.xml><?xml version="1.0" encoding="utf-8"?>
@@ -8367,11 +8396,11 @@
               <a:buChar char="●"/>
             </a:pPr>
             <a:r>
-              <a:rPr lang="en" dirty="0"/>
+              <a:rPr lang="en" sz="2000" dirty="0"/>
               <a:t>Lớp: CS519</a:t>
             </a:r>
             <a:r>
-              <a:rPr lang="en-US" dirty="0"/>
+              <a:rPr lang="en-US" sz="2000" dirty="0"/>
               <a:t>.O11</a:t>
             </a:r>
           </a:p>
@@ -8388,10 +8417,16 @@
               <a:buChar char="●"/>
             </a:pPr>
             <a:r>
-              <a:rPr lang="en" dirty="0"/>
-              <a:t>Link Github của nhóm: </a:t>
-            </a:r>
-            <a:endParaRPr dirty="0"/>
+              <a:rPr lang="en" sz="2000" dirty="0"/>
+              <a:t>Link Github : </a:t>
+            </a:r>
+            <a:r>
+              <a:rPr lang="en-US" sz="2000" dirty="0">
+                <a:hlinkClick r:id="rId3"/>
+              </a:rPr>
+              <a:t>https://github.com/duongve13112002/CS519.O11</a:t>
+            </a:r>
+            <a:endParaRPr sz="2000" dirty="0"/>
           </a:p>
           <a:p>
             <a:pPr marL="457200" lvl="0" indent="-368300" algn="l" rtl="0">
@@ -8405,10 +8440,10 @@
               <a:buChar char="●"/>
             </a:pPr>
             <a:r>
-              <a:rPr lang="en" dirty="0"/>
+              <a:rPr lang="en" sz="2000" dirty="0"/>
               <a:t>Link YouTube video: </a:t>
             </a:r>
-            <a:endParaRPr dirty="0"/>
+            <a:endParaRPr sz="2000" dirty="0"/>
           </a:p>
           <a:p>
             <a:pPr marL="457200" lvl="0" indent="-368300" algn="l" rtl="0">
@@ -8422,10 +8457,10 @@
               <a:buChar char="●"/>
             </a:pPr>
             <a:r>
-              <a:rPr lang="en" dirty="0"/>
+              <a:rPr lang="en" sz="2000" dirty="0"/>
               <a:t>Ảnh + Họ và Tên của các thành viên</a:t>
             </a:r>
-            <a:endParaRPr dirty="0"/>
+            <a:endParaRPr sz="2000" dirty="0"/>
           </a:p>
           <a:p>
             <a:pPr marL="457200" lvl="0" indent="0" algn="l" rtl="0">
@@ -8492,7 +8527,7 @@
           <p:nvPr/>
         </p:nvPicPr>
         <p:blipFill>
-          <a:blip r:embed="rId3"/>
+          <a:blip r:embed="rId4"/>
           <a:stretch>
             <a:fillRect/>
           </a:stretch>

--- a/Đồ án cuối kỳ/OFA Unifying Architectures, Tasks, and Modalities Through a Simple Sequence-to-Sequence Learning Framework_Slide.pptx
+++ b/Đồ án cuối kỳ/OFA Unifying Architectures, Tasks, and Modalities Through a Simple Sequence-to-Sequence Learning Framework_Slide.pptx
@@ -272,12 +272,12 @@
   <pc:docChgLst>
     <pc:chgData name="Nguyen Vu Duong" userId="7e847237b22dca43" providerId="LiveId" clId="{CD21F029-FAE5-4C51-9FE1-C5C8FE046836}"/>
     <pc:docChg chg="modSld">
-      <pc:chgData name="Nguyen Vu Duong" userId="7e847237b22dca43" providerId="LiveId" clId="{CD21F029-FAE5-4C51-9FE1-C5C8FE046836}" dt="2023-12-26T07:29:34.194" v="3" actId="255"/>
+      <pc:chgData name="Nguyen Vu Duong" userId="7e847237b22dca43" providerId="LiveId" clId="{CD21F029-FAE5-4C51-9FE1-C5C8FE046836}" dt="2023-12-26T09:56:53.777" v="30" actId="14100"/>
       <pc:docMkLst>
         <pc:docMk/>
       </pc:docMkLst>
       <pc:sldChg chg="modSp mod">
-        <pc:chgData name="Nguyen Vu Duong" userId="7e847237b22dca43" providerId="LiveId" clId="{CD21F029-FAE5-4C51-9FE1-C5C8FE046836}" dt="2023-12-26T07:29:34.194" v="3" actId="255"/>
+        <pc:chgData name="Nguyen Vu Duong" userId="7e847237b22dca43" providerId="LiveId" clId="{CD21F029-FAE5-4C51-9FE1-C5C8FE046836}" dt="2023-12-26T07:51:04.364" v="4" actId="14100"/>
         <pc:sldMkLst>
           <pc:docMk/>
           <pc:sldMk cId="0" sldId="257"/>
@@ -288,6 +288,44 @@
             <pc:docMk/>
             <pc:sldMk cId="0" sldId="257"/>
             <ac:spMk id="73" creationId="{00000000-0000-0000-0000-000000000000}"/>
+          </ac:spMkLst>
+        </pc:spChg>
+        <pc:picChg chg="mod">
+          <ac:chgData name="Nguyen Vu Duong" userId="7e847237b22dca43" providerId="LiveId" clId="{CD21F029-FAE5-4C51-9FE1-C5C8FE046836}" dt="2023-12-26T07:51:04.364" v="4" actId="14100"/>
+          <ac:picMkLst>
+            <pc:docMk/>
+            <pc:sldMk cId="0" sldId="257"/>
+            <ac:picMk id="5" creationId="{CC6CBCF8-B7EB-0928-B98B-E08DC333CE61}"/>
+          </ac:picMkLst>
+        </pc:picChg>
+      </pc:sldChg>
+      <pc:sldChg chg="modSp mod">
+        <pc:chgData name="Nguyen Vu Duong" userId="7e847237b22dca43" providerId="LiveId" clId="{CD21F029-FAE5-4C51-9FE1-C5C8FE046836}" dt="2023-12-26T09:55:45.063" v="12" actId="20577"/>
+        <pc:sldMkLst>
+          <pc:docMk/>
+          <pc:sldMk cId="0" sldId="259"/>
+        </pc:sldMkLst>
+        <pc:spChg chg="mod">
+          <ac:chgData name="Nguyen Vu Duong" userId="7e847237b22dca43" providerId="LiveId" clId="{CD21F029-FAE5-4C51-9FE1-C5C8FE046836}" dt="2023-12-26T09:55:45.063" v="12" actId="20577"/>
+          <ac:spMkLst>
+            <pc:docMk/>
+            <pc:sldMk cId="0" sldId="259"/>
+            <ac:spMk id="85" creationId="{00000000-0000-0000-0000-000000000000}"/>
+          </ac:spMkLst>
+        </pc:spChg>
+      </pc:sldChg>
+      <pc:sldChg chg="modSp mod">
+        <pc:chgData name="Nguyen Vu Duong" userId="7e847237b22dca43" providerId="LiveId" clId="{CD21F029-FAE5-4C51-9FE1-C5C8FE046836}" dt="2023-12-26T09:56:53.777" v="30" actId="14100"/>
+        <pc:sldMkLst>
+          <pc:docMk/>
+          <pc:sldMk cId="1096771056" sldId="266"/>
+        </pc:sldMkLst>
+        <pc:spChg chg="mod">
+          <ac:chgData name="Nguyen Vu Duong" userId="7e847237b22dca43" providerId="LiveId" clId="{CD21F029-FAE5-4C51-9FE1-C5C8FE046836}" dt="2023-12-26T09:56:53.777" v="30" actId="14100"/>
+          <ac:spMkLst>
+            <pc:docMk/>
+            <pc:sldMk cId="1096771056" sldId="266"/>
+            <ac:spMk id="8" creationId="{48CDD334-4A57-93F1-F98F-2B2D4169653A}"/>
           </ac:spMkLst>
         </pc:spChg>
       </pc:sldChg>
@@ -8535,7 +8573,7 @@
         <p:spPr>
           <a:xfrm>
             <a:off x="4012405" y="2700337"/>
-            <a:ext cx="1119189" cy="1119189"/>
+            <a:ext cx="1231108" cy="1231108"/>
           </a:xfrm>
           <a:prstGeom prst="rect">
             <a:avLst/>
@@ -9225,7 +9263,7 @@
             </a:r>
             <a:r>
               <a:rPr lang="en-US" sz="1800" dirty="0"/>
-              <a:t>: text-to-image generation, visual grounding, visual question answering (VQA), image captioning, image classification, language modeling, etc., </a:t>
+              <a:t>: text-to-image generation, visual grounding, visual question answering (VQA), image captioning, image classification, language modeling, ..., </a:t>
             </a:r>
             <a:r>
               <a:rPr lang="en-US" sz="1800" dirty="0" err="1"/>
@@ -12786,7 +12824,7 @@
         <p:spPr>
           <a:xfrm>
             <a:off x="3510367" y="3802090"/>
-            <a:ext cx="2455187" cy="1007390"/>
+            <a:ext cx="2540389" cy="1007390"/>
           </a:xfrm>
           <a:prstGeom prst="rect">
             <a:avLst/>
@@ -12938,6 +12976,50 @@
                 <a:cs typeface="Roboto" panose="02000000000000000000" pitchFamily="2" charset="0"/>
               </a:rPr>
               <a:t>vụ</a:t>
+            </a:r>
+            <a:r>
+              <a:rPr lang="en-US" dirty="0">
+                <a:solidFill>
+                  <a:schemeClr val="bg2"/>
+                </a:solidFill>
+                <a:latin typeface="Roboto" panose="02000000000000000000" pitchFamily="2" charset="0"/>
+                <a:ea typeface="Roboto" panose="02000000000000000000" pitchFamily="2" charset="0"/>
+                <a:cs typeface="Roboto" panose="02000000000000000000" pitchFamily="2" charset="0"/>
+              </a:rPr>
+              <a:t>/</a:t>
+            </a:r>
+            <a:r>
+              <a:rPr lang="en-US" dirty="0" err="1">
+                <a:solidFill>
+                  <a:schemeClr val="bg2"/>
+                </a:solidFill>
+                <a:latin typeface="Roboto" panose="02000000000000000000" pitchFamily="2" charset="0"/>
+                <a:ea typeface="Roboto" panose="02000000000000000000" pitchFamily="2" charset="0"/>
+                <a:cs typeface="Roboto" panose="02000000000000000000" pitchFamily="2" charset="0"/>
+              </a:rPr>
+              <a:t>bài</a:t>
+            </a:r>
+            <a:r>
+              <a:rPr lang="en-US" dirty="0">
+                <a:solidFill>
+                  <a:schemeClr val="bg2"/>
+                </a:solidFill>
+                <a:latin typeface="Roboto" panose="02000000000000000000" pitchFamily="2" charset="0"/>
+                <a:ea typeface="Roboto" panose="02000000000000000000" pitchFamily="2" charset="0"/>
+                <a:cs typeface="Roboto" panose="02000000000000000000" pitchFamily="2" charset="0"/>
+              </a:rPr>
+              <a:t> </a:t>
+            </a:r>
+            <a:r>
+              <a:rPr lang="en-US" dirty="0" err="1">
+                <a:solidFill>
+                  <a:schemeClr val="bg2"/>
+                </a:solidFill>
+                <a:latin typeface="Roboto" panose="02000000000000000000" pitchFamily="2" charset="0"/>
+                <a:ea typeface="Roboto" panose="02000000000000000000" pitchFamily="2" charset="0"/>
+                <a:cs typeface="Roboto" panose="02000000000000000000" pitchFamily="2" charset="0"/>
+              </a:rPr>
+              <a:t>toán</a:t>
             </a:r>
             <a:r>
               <a:rPr lang="en-US" dirty="0">

--- a/Đồ án cuối kỳ/OFA Unifying Architectures, Tasks, and Modalities Through a Simple Sequence-to-Sequence Learning Framework_Slide.pptx
+++ b/Đồ án cuối kỳ/OFA Unifying Architectures, Tasks, and Modalities Through a Simple Sequence-to-Sequence Learning Framework_Slide.pptx
@@ -272,7 +272,7 @@
   <pc:docChgLst>
     <pc:chgData name="Nguyen Vu Duong" userId="7e847237b22dca43" providerId="LiveId" clId="{CD21F029-FAE5-4C51-9FE1-C5C8FE046836}"/>
     <pc:docChg chg="modSld">
-      <pc:chgData name="Nguyen Vu Duong" userId="7e847237b22dca43" providerId="LiveId" clId="{CD21F029-FAE5-4C51-9FE1-C5C8FE046836}" dt="2023-12-26T09:56:53.777" v="30" actId="14100"/>
+      <pc:chgData name="Nguyen Vu Duong" userId="7e847237b22dca43" providerId="LiveId" clId="{CD21F029-FAE5-4C51-9FE1-C5C8FE046836}" dt="2024-01-05T01:56:32.537" v="91" actId="20577"/>
       <pc:docMkLst>
         <pc:docMk/>
       </pc:docMkLst>
@@ -300,17 +300,47 @@
         </pc:picChg>
       </pc:sldChg>
       <pc:sldChg chg="modSp mod">
-        <pc:chgData name="Nguyen Vu Duong" userId="7e847237b22dca43" providerId="LiveId" clId="{CD21F029-FAE5-4C51-9FE1-C5C8FE046836}" dt="2023-12-26T09:55:45.063" v="12" actId="20577"/>
+        <pc:chgData name="Nguyen Vu Duong" userId="7e847237b22dca43" providerId="LiveId" clId="{CD21F029-FAE5-4C51-9FE1-C5C8FE046836}" dt="2024-01-05T00:13:55.815" v="61" actId="20577"/>
+        <pc:sldMkLst>
+          <pc:docMk/>
+          <pc:sldMk cId="0" sldId="258"/>
+        </pc:sldMkLst>
+        <pc:spChg chg="mod">
+          <ac:chgData name="Nguyen Vu Duong" userId="7e847237b22dca43" providerId="LiveId" clId="{CD21F029-FAE5-4C51-9FE1-C5C8FE046836}" dt="2024-01-05T00:13:55.815" v="61" actId="20577"/>
+          <ac:spMkLst>
+            <pc:docMk/>
+            <pc:sldMk cId="0" sldId="258"/>
+            <ac:spMk id="79" creationId="{00000000-0000-0000-0000-000000000000}"/>
+          </ac:spMkLst>
+        </pc:spChg>
+      </pc:sldChg>
+      <pc:sldChg chg="modSp mod">
+        <pc:chgData name="Nguyen Vu Duong" userId="7e847237b22dca43" providerId="LiveId" clId="{CD21F029-FAE5-4C51-9FE1-C5C8FE046836}" dt="2024-01-05T01:56:32.537" v="91" actId="20577"/>
         <pc:sldMkLst>
           <pc:docMk/>
           <pc:sldMk cId="0" sldId="259"/>
         </pc:sldMkLst>
         <pc:spChg chg="mod">
-          <ac:chgData name="Nguyen Vu Duong" userId="7e847237b22dca43" providerId="LiveId" clId="{CD21F029-FAE5-4C51-9FE1-C5C8FE046836}" dt="2023-12-26T09:55:45.063" v="12" actId="20577"/>
+          <ac:chgData name="Nguyen Vu Duong" userId="7e847237b22dca43" providerId="LiveId" clId="{CD21F029-FAE5-4C51-9FE1-C5C8FE046836}" dt="2024-01-05T01:56:32.537" v="91" actId="20577"/>
           <ac:spMkLst>
             <pc:docMk/>
             <pc:sldMk cId="0" sldId="259"/>
             <ac:spMk id="85" creationId="{00000000-0000-0000-0000-000000000000}"/>
+          </ac:spMkLst>
+        </pc:spChg>
+      </pc:sldChg>
+      <pc:sldChg chg="modSp mod">
+        <pc:chgData name="Nguyen Vu Duong" userId="7e847237b22dca43" providerId="LiveId" clId="{CD21F029-FAE5-4C51-9FE1-C5C8FE046836}" dt="2024-01-05T00:11:58.074" v="57" actId="20577"/>
+        <pc:sldMkLst>
+          <pc:docMk/>
+          <pc:sldMk cId="0" sldId="260"/>
+        </pc:sldMkLst>
+        <pc:spChg chg="mod">
+          <ac:chgData name="Nguyen Vu Duong" userId="7e847237b22dca43" providerId="LiveId" clId="{CD21F029-FAE5-4C51-9FE1-C5C8FE046836}" dt="2024-01-05T00:11:58.074" v="57" actId="20577"/>
+          <ac:spMkLst>
+            <pc:docMk/>
+            <pc:sldMk cId="0" sldId="260"/>
+            <ac:spMk id="4" creationId="{AA92FA4A-2930-81FA-CD53-639E6248635C}"/>
           </ac:spMkLst>
         </pc:spChg>
       </pc:sldChg>
@@ -8847,16 +8877,20 @@
               <a:t>trình</a:t>
             </a:r>
             <a:r>
-              <a:rPr lang="en-US" sz="1600"/>
-              <a:t> </a:t>
-            </a:r>
-            <a:r>
-              <a:rPr lang="vi-VN" sz="1600"/>
-              <a:t>huấn </a:t>
+              <a:rPr lang="en-US" sz="1600" dirty="0"/>
+              <a:t> </a:t>
             </a:r>
             <a:r>
               <a:rPr lang="vi-VN" sz="1600" dirty="0"/>
-              <a:t>luyện đa dạng có thể được biểu diễn bằng chỉ một số ít hình thức có thể được thống nhất và quản lý bởi một mô hình hoặc hệ thống duy nhất hay không.</a:t>
+              <a:t>huấn luyện có thể được biểu diễn bằng chỉ một số ít hình thức</a:t>
+            </a:r>
+            <a:r>
+              <a:rPr lang="en-US" sz="1600" dirty="0"/>
+              <a:t>,</a:t>
+            </a:r>
+            <a:r>
+              <a:rPr lang="vi-VN" sz="1600" dirty="0"/>
+              <a:t> có thể được thống nhất và quản lý bởi một mô hình hoặc hệ thống duy nhất hay không.</a:t>
             </a:r>
             <a:endParaRPr sz="1600" dirty="0"/>
           </a:p>
@@ -9376,6 +9410,22 @@
               <a:t>vụ</a:t>
             </a:r>
             <a:r>
+              <a:rPr lang="en-US" sz="1800" dirty="0"/>
+              <a:t> </a:t>
+            </a:r>
+            <a:r>
+              <a:rPr lang="en-US" sz="1800" dirty="0" err="1"/>
+              <a:t>tương</a:t>
+            </a:r>
+            <a:r>
+              <a:rPr lang="en-US" sz="1800" dirty="0"/>
+              <a:t> </a:t>
+            </a:r>
+            <a:r>
+              <a:rPr lang="en-US" sz="1800" dirty="0" err="1"/>
+              <a:t>ứng</a:t>
+            </a:r>
+            <a:r>
               <a:rPr lang="vi-VN" sz="1800" dirty="0"/>
               <a:t> và xây dựng chương trình </a:t>
             </a:r>
@@ -10152,7 +10202,7 @@
             </a:r>
             <a:r>
               <a:rPr lang="en-US" sz="1800" dirty="0" err="1"/>
-              <a:t>hai</a:t>
+              <a:t>nhiều</a:t>
             </a:r>
             <a:r>
               <a:rPr lang="en-US" sz="1800" dirty="0"/>
